--- a/materials/presentation.pptx
+++ b/materials/presentation.pptx
@@ -260,7 +260,7 @@
           <a:p>
             <a:fld id="{3596499D-DD90-467E-9B34-3D64BED30F9D}" type="datetimeFigureOut">
               <a:rPr lang="ru-RU" smtClean="0"/>
-              <a:t>26.01.2025</a:t>
+              <a:t>30.01.2025</a:t>
             </a:fld>
             <a:endParaRPr lang="ru-RU"/>
           </a:p>
@@ -430,7 +430,7 @@
           <a:p>
             <a:fld id="{3596499D-DD90-467E-9B34-3D64BED30F9D}" type="datetimeFigureOut">
               <a:rPr lang="ru-RU" smtClean="0"/>
-              <a:t>26.01.2025</a:t>
+              <a:t>30.01.2025</a:t>
             </a:fld>
             <a:endParaRPr lang="ru-RU"/>
           </a:p>
@@ -610,7 +610,7 @@
           <a:p>
             <a:fld id="{3596499D-DD90-467E-9B34-3D64BED30F9D}" type="datetimeFigureOut">
               <a:rPr lang="ru-RU" smtClean="0"/>
-              <a:t>26.01.2025</a:t>
+              <a:t>30.01.2025</a:t>
             </a:fld>
             <a:endParaRPr lang="ru-RU"/>
           </a:p>
@@ -780,7 +780,7 @@
           <a:p>
             <a:fld id="{3596499D-DD90-467E-9B34-3D64BED30F9D}" type="datetimeFigureOut">
               <a:rPr lang="ru-RU" smtClean="0"/>
-              <a:t>26.01.2025</a:t>
+              <a:t>30.01.2025</a:t>
             </a:fld>
             <a:endParaRPr lang="ru-RU"/>
           </a:p>
@@ -1026,7 +1026,7 @@
           <a:p>
             <a:fld id="{3596499D-DD90-467E-9B34-3D64BED30F9D}" type="datetimeFigureOut">
               <a:rPr lang="ru-RU" smtClean="0"/>
-              <a:t>26.01.2025</a:t>
+              <a:t>30.01.2025</a:t>
             </a:fld>
             <a:endParaRPr lang="ru-RU"/>
           </a:p>
@@ -1258,7 +1258,7 @@
           <a:p>
             <a:fld id="{3596499D-DD90-467E-9B34-3D64BED30F9D}" type="datetimeFigureOut">
               <a:rPr lang="ru-RU" smtClean="0"/>
-              <a:t>26.01.2025</a:t>
+              <a:t>30.01.2025</a:t>
             </a:fld>
             <a:endParaRPr lang="ru-RU"/>
           </a:p>
@@ -1625,7 +1625,7 @@
           <a:p>
             <a:fld id="{3596499D-DD90-467E-9B34-3D64BED30F9D}" type="datetimeFigureOut">
               <a:rPr lang="ru-RU" smtClean="0"/>
-              <a:t>26.01.2025</a:t>
+              <a:t>30.01.2025</a:t>
             </a:fld>
             <a:endParaRPr lang="ru-RU"/>
           </a:p>
@@ -1743,7 +1743,7 @@
           <a:p>
             <a:fld id="{3596499D-DD90-467E-9B34-3D64BED30F9D}" type="datetimeFigureOut">
               <a:rPr lang="ru-RU" smtClean="0"/>
-              <a:t>26.01.2025</a:t>
+              <a:t>30.01.2025</a:t>
             </a:fld>
             <a:endParaRPr lang="ru-RU"/>
           </a:p>
@@ -1838,7 +1838,7 @@
           <a:p>
             <a:fld id="{3596499D-DD90-467E-9B34-3D64BED30F9D}" type="datetimeFigureOut">
               <a:rPr lang="ru-RU" smtClean="0"/>
-              <a:t>26.01.2025</a:t>
+              <a:t>30.01.2025</a:t>
             </a:fld>
             <a:endParaRPr lang="ru-RU"/>
           </a:p>
@@ -2115,7 +2115,7 @@
           <a:p>
             <a:fld id="{3596499D-DD90-467E-9B34-3D64BED30F9D}" type="datetimeFigureOut">
               <a:rPr lang="ru-RU" smtClean="0"/>
-              <a:t>26.01.2025</a:t>
+              <a:t>30.01.2025</a:t>
             </a:fld>
             <a:endParaRPr lang="ru-RU"/>
           </a:p>
@@ -2368,7 +2368,7 @@
           <a:p>
             <a:fld id="{3596499D-DD90-467E-9B34-3D64BED30F9D}" type="datetimeFigureOut">
               <a:rPr lang="ru-RU" smtClean="0"/>
-              <a:t>26.01.2025</a:t>
+              <a:t>30.01.2025</a:t>
             </a:fld>
             <a:endParaRPr lang="ru-RU"/>
           </a:p>
@@ -2581,7 +2581,7 @@
           <a:p>
             <a:fld id="{3596499D-DD90-467E-9B34-3D64BED30F9D}" type="datetimeFigureOut">
               <a:rPr lang="ru-RU" smtClean="0"/>
-              <a:t>26.01.2025</a:t>
+              <a:t>30.01.2025</a:t>
             </a:fld>
             <a:endParaRPr lang="ru-RU"/>
           </a:p>
@@ -3343,10 +3343,18 @@
           </a:bodyPr>
           <a:lstStyle/>
           <a:p>
-            <a:pPr marL="0" indent="0" algn="ctr">
+            <a:pPr marL="0" indent="0">
               <a:buNone/>
             </a:pPr>
-            <a:endParaRPr lang="ru-RU" dirty="0" smtClean="0"/>
+            <a:r>
+              <a:rPr lang="ru-RU" dirty="0" err="1" smtClean="0">
+                <a:hlinkClick r:id="rId2"/>
+              </a:rPr>
+              <a:t>Скринкаст</a:t>
+            </a:r>
+            <a:endParaRPr lang="ru-RU" dirty="0" smtClean="0">
+              <a:hlinkClick r:id="rId2"/>
+            </a:endParaRPr>
           </a:p>
         </p:txBody>
       </p:sp>
@@ -4113,12 +4121,12 @@
           <a:graphicData uri="http://schemas.openxmlformats.org/presentationml/2006/ole">
             <mc:AlternateContent xmlns:mc="http://schemas.openxmlformats.org/markup-compatibility/2006">
               <mc:Choice xmlns:v="urn:schemas-microsoft-com:vml" Requires="v">
-                <p:oleObj spid="_x0000_s1031" name="Visio" r:id="rId3" imgW="9820410" imgH="3524263" progId="Visio.Drawing.15">
+                <p:oleObj spid="_x0000_s1032" name="Visio" r:id="rId4" imgW="9820410" imgH="3524263" progId="Visio.Drawing.15">
                   <p:embed/>
                 </p:oleObj>
               </mc:Choice>
               <mc:Fallback>
-                <p:oleObj name="Visio" r:id="rId3" imgW="9820410" imgH="3524263" progId="Visio.Drawing.15">
+                <p:oleObj name="Visio" r:id="rId4" imgW="9820410" imgH="3524263" progId="Visio.Drawing.15">
                   <p:embed/>
                   <p:pic>
                     <p:nvPicPr>
@@ -4127,7 +4135,7 @@
                       <p:nvPr/>
                     </p:nvPicPr>
                     <p:blipFill>
-                      <a:blip r:embed="rId4"/>
+                      <a:blip r:embed="rId5"/>
                       <a:stretch>
                         <a:fillRect/>
                       </a:stretch>
@@ -4789,7 +4797,6 @@
               <a:rPr lang="ru-RU" dirty="0" smtClean="0"/>
               <a:t>Большинство игр-лабиринтов не уходят далеко от оригинальной идеи: наличие стен, поворотов, выхода и входа. </a:t>
             </a:r>
-            <a:endParaRPr lang="ru-RU" dirty="0" smtClean="0"/>
           </a:p>
           <a:p>
             <a:endParaRPr lang="en-US" dirty="0" smtClean="0"/>

--- a/materials/presentation.pptx
+++ b/materials/presentation.pptx
@@ -260,7 +260,7 @@
           <a:p>
             <a:fld id="{3596499D-DD90-467E-9B34-3D64BED30F9D}" type="datetimeFigureOut">
               <a:rPr lang="ru-RU" smtClean="0"/>
-              <a:t>30.01.2025</a:t>
+              <a:t>03.02.2025</a:t>
             </a:fld>
             <a:endParaRPr lang="ru-RU"/>
           </a:p>
@@ -430,7 +430,7 @@
           <a:p>
             <a:fld id="{3596499D-DD90-467E-9B34-3D64BED30F9D}" type="datetimeFigureOut">
               <a:rPr lang="ru-RU" smtClean="0"/>
-              <a:t>30.01.2025</a:t>
+              <a:t>03.02.2025</a:t>
             </a:fld>
             <a:endParaRPr lang="ru-RU"/>
           </a:p>
@@ -610,7 +610,7 @@
           <a:p>
             <a:fld id="{3596499D-DD90-467E-9B34-3D64BED30F9D}" type="datetimeFigureOut">
               <a:rPr lang="ru-RU" smtClean="0"/>
-              <a:t>30.01.2025</a:t>
+              <a:t>03.02.2025</a:t>
             </a:fld>
             <a:endParaRPr lang="ru-RU"/>
           </a:p>
@@ -780,7 +780,7 @@
           <a:p>
             <a:fld id="{3596499D-DD90-467E-9B34-3D64BED30F9D}" type="datetimeFigureOut">
               <a:rPr lang="ru-RU" smtClean="0"/>
-              <a:t>30.01.2025</a:t>
+              <a:t>03.02.2025</a:t>
             </a:fld>
             <a:endParaRPr lang="ru-RU"/>
           </a:p>
@@ -1026,7 +1026,7 @@
           <a:p>
             <a:fld id="{3596499D-DD90-467E-9B34-3D64BED30F9D}" type="datetimeFigureOut">
               <a:rPr lang="ru-RU" smtClean="0"/>
-              <a:t>30.01.2025</a:t>
+              <a:t>03.02.2025</a:t>
             </a:fld>
             <a:endParaRPr lang="ru-RU"/>
           </a:p>
@@ -1258,7 +1258,7 @@
           <a:p>
             <a:fld id="{3596499D-DD90-467E-9B34-3D64BED30F9D}" type="datetimeFigureOut">
               <a:rPr lang="ru-RU" smtClean="0"/>
-              <a:t>30.01.2025</a:t>
+              <a:t>03.02.2025</a:t>
             </a:fld>
             <a:endParaRPr lang="ru-RU"/>
           </a:p>
@@ -1625,7 +1625,7 @@
           <a:p>
             <a:fld id="{3596499D-DD90-467E-9B34-3D64BED30F9D}" type="datetimeFigureOut">
               <a:rPr lang="ru-RU" smtClean="0"/>
-              <a:t>30.01.2025</a:t>
+              <a:t>03.02.2025</a:t>
             </a:fld>
             <a:endParaRPr lang="ru-RU"/>
           </a:p>
@@ -1743,7 +1743,7 @@
           <a:p>
             <a:fld id="{3596499D-DD90-467E-9B34-3D64BED30F9D}" type="datetimeFigureOut">
               <a:rPr lang="ru-RU" smtClean="0"/>
-              <a:t>30.01.2025</a:t>
+              <a:t>03.02.2025</a:t>
             </a:fld>
             <a:endParaRPr lang="ru-RU"/>
           </a:p>
@@ -1838,7 +1838,7 @@
           <a:p>
             <a:fld id="{3596499D-DD90-467E-9B34-3D64BED30F9D}" type="datetimeFigureOut">
               <a:rPr lang="ru-RU" smtClean="0"/>
-              <a:t>30.01.2025</a:t>
+              <a:t>03.02.2025</a:t>
             </a:fld>
             <a:endParaRPr lang="ru-RU"/>
           </a:p>
@@ -2115,7 +2115,7 @@
           <a:p>
             <a:fld id="{3596499D-DD90-467E-9B34-3D64BED30F9D}" type="datetimeFigureOut">
               <a:rPr lang="ru-RU" smtClean="0"/>
-              <a:t>30.01.2025</a:t>
+              <a:t>03.02.2025</a:t>
             </a:fld>
             <a:endParaRPr lang="ru-RU"/>
           </a:p>
@@ -2368,7 +2368,7 @@
           <a:p>
             <a:fld id="{3596499D-DD90-467E-9B34-3D64BED30F9D}" type="datetimeFigureOut">
               <a:rPr lang="ru-RU" smtClean="0"/>
-              <a:t>30.01.2025</a:t>
+              <a:t>03.02.2025</a:t>
             </a:fld>
             <a:endParaRPr lang="ru-RU"/>
           </a:p>
@@ -2581,7 +2581,7 @@
           <a:p>
             <a:fld id="{3596499D-DD90-467E-9B34-3D64BED30F9D}" type="datetimeFigureOut">
               <a:rPr lang="ru-RU" smtClean="0"/>
-              <a:t>30.01.2025</a:t>
+              <a:t>03.02.2025</a:t>
             </a:fld>
             <a:endParaRPr lang="ru-RU"/>
           </a:p>
@@ -3794,12 +3794,12 @@
               <a:t>– </a:t>
             </a:r>
             <a:r>
-              <a:rPr lang="en-US" dirty="0" smtClean="0"/>
-              <a:t>354</a:t>
-            </a:r>
-            <a:r>
               <a:rPr lang="ru-RU" dirty="0" smtClean="0"/>
-              <a:t> строки</a:t>
+              <a:t>416</a:t>
+            </a:r>
+            <a:r>
+              <a:rPr lang="ru-RU" dirty="0" smtClean="0"/>
+              <a:t> строк</a:t>
             </a:r>
             <a:endParaRPr lang="ru-RU" dirty="0"/>
           </a:p>
@@ -3818,15 +3818,15 @@
             </a:r>
             <a:r>
               <a:rPr lang="ru-RU" dirty="0" smtClean="0"/>
-              <a:t>1</a:t>
-            </a:r>
-            <a:r>
-              <a:rPr lang="en-US" dirty="0" smtClean="0"/>
-              <a:t>45</a:t>
+              <a:t>215</a:t>
             </a:r>
             <a:r>
               <a:rPr lang="ru-RU" dirty="0" smtClean="0"/>
-              <a:t> строк</a:t>
+              <a:t> </a:t>
+            </a:r>
+            <a:r>
+              <a:rPr lang="ru-RU" dirty="0" smtClean="0"/>
+              <a:t>строк</a:t>
             </a:r>
           </a:p>
           <a:p>
@@ -3855,8 +3855,17 @@
             </a:br>
             <a:r>
               <a:rPr lang="ru-RU" dirty="0" smtClean="0"/>
-              <a:t>Итого: 541 строка</a:t>
-            </a:r>
+              <a:t>Итого: </a:t>
+            </a:r>
+            <a:r>
+              <a:rPr lang="ru-RU" dirty="0" smtClean="0"/>
+              <a:t>673</a:t>
+            </a:r>
+            <a:r>
+              <a:rPr lang="ru-RU" dirty="0" smtClean="0"/>
+              <a:t> строки</a:t>
+            </a:r>
+            <a:endParaRPr lang="ru-RU" dirty="0" smtClean="0"/>
           </a:p>
           <a:p>
             <a:r>
@@ -4121,7 +4130,7 @@
           <a:graphicData uri="http://schemas.openxmlformats.org/presentationml/2006/ole">
             <mc:AlternateContent xmlns:mc="http://schemas.openxmlformats.org/markup-compatibility/2006">
               <mc:Choice xmlns:v="urn:schemas-microsoft-com:vml" Requires="v">
-                <p:oleObj spid="_x0000_s1032" name="Visio" r:id="rId4" imgW="9820410" imgH="3524263" progId="Visio.Drawing.15">
+                <p:oleObj spid="_x0000_s1033" name="Visio" r:id="rId4" imgW="9820410" imgH="3524263" progId="Visio.Drawing.15">
                   <p:embed/>
                 </p:oleObj>
               </mc:Choice>
